--- a/Slides/01. OpenCV執行環境介紹.pptx
+++ b/Slides/01. OpenCV執行環境介紹.pptx
@@ -117,7 +117,7 @@
   </p:defaultTextStyle>
   <p:extLst>
     <p:ext uri="{EFAFB233-063F-42B5-8137-9DF3F51BA10A}">
-      <p15:sldGuideLst xmlns="" xmlns:p15="http://schemas.microsoft.com/office/powerpoint/2012/main">
+      <p15:sldGuideLst xmlns:p15="http://schemas.microsoft.com/office/powerpoint/2012/main" xmlns="">
         <p15:guide id="1" orient="horz" pos="2160">
           <p15:clr>
             <a:srgbClr val="A4A3A4"/>
@@ -131,7 +131,7 @@
       </p15:sldGuideLst>
     </p:ext>
     <p:ext uri="{2D200454-40CA-4A62-9FC3-DE9A4176ACB9}">
-      <p15:notesGuideLst xmlns="" xmlns:p15="http://schemas.microsoft.com/office/powerpoint/2012/main"/>
+      <p15:notesGuideLst xmlns:p15="http://schemas.microsoft.com/office/powerpoint/2012/main" xmlns=""/>
     </p:ext>
   </p:extLst>
 </p:presentation>
@@ -222,7 +222,7 @@
             <a:fld id="{68F88C59-319B-4332-9A1D-2A62CFCB00D8}" type="datetimeFigureOut">
               <a:rPr lang="en-US" smtClean="0"/>
               <a:pPr/>
-              <a:t>9/23/2020</a:t>
+              <a:t>3/21/2021</a:t>
             </a:fld>
             <a:endParaRPr lang="en-US" dirty="0"/>
           </a:p>
@@ -300,7 +300,7 @@
     </p:spTree>
     <p:extLst>
       <p:ext uri="{BB962C8B-B14F-4D97-AF65-F5344CB8AC3E}">
-        <p14:creationId xmlns="" xmlns:p14="http://schemas.microsoft.com/office/powerpoint/2010/main" val="2345123278"/>
+        <p14:creationId xmlns:p14="http://schemas.microsoft.com/office/powerpoint/2010/main" xmlns="" val="2345123278"/>
       </p:ext>
     </p:extLst>
   </p:cSld>
@@ -393,7 +393,7 @@
             <a:fld id="{968B300D-05F0-4B43-940D-46DED5A791AD}" type="datetimeFigureOut">
               <a:rPr lang="en-US" smtClean="0"/>
               <a:pPr/>
-              <a:t>9/23/2020</a:t>
+              <a:t>3/21/2021</a:t>
             </a:fld>
             <a:endParaRPr lang="en-US" dirty="0"/>
           </a:p>
@@ -565,7 +565,7 @@
     </p:spTree>
     <p:extLst>
       <p:ext uri="{BB962C8B-B14F-4D97-AF65-F5344CB8AC3E}">
-        <p14:creationId xmlns="" xmlns:p14="http://schemas.microsoft.com/office/powerpoint/2010/main" val="623787478"/>
+        <p14:creationId xmlns:p14="http://schemas.microsoft.com/office/powerpoint/2010/main" xmlns="" val="623787478"/>
       </p:ext>
     </p:extLst>
   </p:cSld>
@@ -741,7 +741,7 @@
     </p:spTree>
     <p:extLst>
       <p:ext uri="{BB962C8B-B14F-4D97-AF65-F5344CB8AC3E}">
-        <p14:creationId xmlns="" xmlns:p14="http://schemas.microsoft.com/office/powerpoint/2010/main" val="2659555247"/>
+        <p14:creationId xmlns:p14="http://schemas.microsoft.com/office/powerpoint/2010/main" xmlns="" val="2659555247"/>
       </p:ext>
     </p:extLst>
   </p:cSld>
@@ -826,7 +826,7 @@
     </p:spTree>
     <p:extLst>
       <p:ext uri="{BB962C8B-B14F-4D97-AF65-F5344CB8AC3E}">
-        <p14:creationId xmlns="" xmlns:p14="http://schemas.microsoft.com/office/powerpoint/2010/main" val="2659555247"/>
+        <p14:creationId xmlns:p14="http://schemas.microsoft.com/office/powerpoint/2010/main" xmlns="" val="2659555247"/>
       </p:ext>
     </p:extLst>
   </p:cSld>
@@ -911,7 +911,7 @@
     </p:spTree>
     <p:extLst>
       <p:ext uri="{BB962C8B-B14F-4D97-AF65-F5344CB8AC3E}">
-        <p14:creationId xmlns="" xmlns:p14="http://schemas.microsoft.com/office/powerpoint/2010/main" val="2659555247"/>
+        <p14:creationId xmlns:p14="http://schemas.microsoft.com/office/powerpoint/2010/main" xmlns="" val="2659555247"/>
       </p:ext>
     </p:extLst>
   </p:cSld>
@@ -996,7 +996,7 @@
     </p:spTree>
     <p:extLst>
       <p:ext uri="{BB962C8B-B14F-4D97-AF65-F5344CB8AC3E}">
-        <p14:creationId xmlns="" xmlns:p14="http://schemas.microsoft.com/office/powerpoint/2010/main" val="2659555247"/>
+        <p14:creationId xmlns:p14="http://schemas.microsoft.com/office/powerpoint/2010/main" xmlns="" val="2659555247"/>
       </p:ext>
     </p:extLst>
   </p:cSld>
@@ -1081,7 +1081,7 @@
     </p:spTree>
     <p:extLst>
       <p:ext uri="{BB962C8B-B14F-4D97-AF65-F5344CB8AC3E}">
-        <p14:creationId xmlns="" xmlns:p14="http://schemas.microsoft.com/office/powerpoint/2010/main" val="2659555247"/>
+        <p14:creationId xmlns:p14="http://schemas.microsoft.com/office/powerpoint/2010/main" xmlns="" val="2659555247"/>
       </p:ext>
     </p:extLst>
   </p:cSld>
@@ -1166,7 +1166,7 @@
     </p:spTree>
     <p:extLst>
       <p:ext uri="{BB962C8B-B14F-4D97-AF65-F5344CB8AC3E}">
-        <p14:creationId xmlns="" xmlns:p14="http://schemas.microsoft.com/office/powerpoint/2010/main" val="2659555247"/>
+        <p14:creationId xmlns:p14="http://schemas.microsoft.com/office/powerpoint/2010/main" xmlns="" val="2659555247"/>
       </p:ext>
     </p:extLst>
   </p:cSld>
@@ -1251,7 +1251,7 @@
     </p:spTree>
     <p:extLst>
       <p:ext uri="{BB962C8B-B14F-4D97-AF65-F5344CB8AC3E}">
-        <p14:creationId xmlns="" xmlns:p14="http://schemas.microsoft.com/office/powerpoint/2010/main" val="2659555247"/>
+        <p14:creationId xmlns:p14="http://schemas.microsoft.com/office/powerpoint/2010/main" xmlns="" val="2659555247"/>
       </p:ext>
     </p:extLst>
   </p:cSld>
@@ -1336,7 +1336,7 @@
     </p:spTree>
     <p:extLst>
       <p:ext uri="{BB962C8B-B14F-4D97-AF65-F5344CB8AC3E}">
-        <p14:creationId xmlns="" xmlns:p14="http://schemas.microsoft.com/office/powerpoint/2010/main" val="2659555247"/>
+        <p14:creationId xmlns:p14="http://schemas.microsoft.com/office/powerpoint/2010/main" xmlns="" val="2659555247"/>
       </p:ext>
     </p:extLst>
   </p:cSld>
@@ -1654,7 +1654,7 @@
                 </a:solidFill>
               </a:rPr>
               <a:pPr/>
-              <a:t>9/23/2020</a:t>
+              <a:t>3/21/2021</a:t>
             </a:fld>
             <a:endParaRPr kumimoji="0" lang="en-US" dirty="0"/>
           </a:p>
@@ -2045,7 +2045,7 @@
                 </a:solidFill>
               </a:rPr>
               <a:pPr/>
-              <a:t>9/23/2020</a:t>
+              <a:t>3/21/2021</a:t>
             </a:fld>
             <a:endParaRPr kumimoji="0" lang="en-US" dirty="0"/>
           </a:p>
@@ -2380,7 +2380,7 @@
                 </a:solidFill>
               </a:rPr>
               <a:pPr/>
-              <a:t>9/23/2020</a:t>
+              <a:t>3/21/2021</a:t>
             </a:fld>
             <a:endParaRPr kumimoji="0" lang="en-US" dirty="0"/>
           </a:p>
@@ -2956,7 +2956,7 @@
                 </a:solidFill>
               </a:rPr>
               <a:pPr/>
-              <a:t>9/23/2020</a:t>
+              <a:t>3/21/2021</a:t>
             </a:fld>
             <a:endParaRPr kumimoji="0" lang="en-US" dirty="0"/>
           </a:p>
@@ -3520,7 +3520,7 @@
                 </a:solidFill>
               </a:rPr>
               <a:pPr/>
-              <a:t>9/23/2020</a:t>
+              <a:t>3/21/2021</a:t>
             </a:fld>
             <a:endParaRPr kumimoji="0" lang="en-US" dirty="0"/>
           </a:p>
@@ -3979,7 +3979,7 @@
                 </a:solidFill>
               </a:rPr>
               <a:pPr/>
-              <a:t>9/23/2020</a:t>
+              <a:t>3/21/2021</a:t>
             </a:fld>
             <a:endParaRPr kumimoji="0" lang="en-US" dirty="0"/>
           </a:p>
@@ -4403,7 +4403,7 @@
                 </a:solidFill>
               </a:rPr>
               <a:pPr/>
-              <a:t>9/23/2020</a:t>
+              <a:t>3/21/2021</a:t>
             </a:fld>
             <a:endParaRPr kumimoji="0" lang="en-US" dirty="0"/>
           </a:p>
@@ -4907,7 +4907,7 @@
                 </a:solidFill>
               </a:rPr>
               <a:pPr/>
-              <a:t>9/23/2020</a:t>
+              <a:t>3/21/2021</a:t>
             </a:fld>
             <a:endParaRPr kumimoji="0" lang="en-US" dirty="0"/>
           </a:p>
@@ -5411,7 +5411,7 @@
                 </a:solidFill>
               </a:rPr>
               <a:pPr/>
-              <a:t>9/23/2020</a:t>
+              <a:t>3/21/2021</a:t>
             </a:fld>
             <a:endParaRPr kumimoji="0" lang="en-US" dirty="0"/>
           </a:p>
@@ -5627,7 +5627,7 @@
                 </a:solidFill>
               </a:rPr>
               <a:pPr/>
-              <a:t>9/23/2020</a:t>
+              <a:t>3/21/2021</a:t>
             </a:fld>
             <a:endParaRPr kumimoji="0" lang="en-US" dirty="0"/>
           </a:p>
@@ -5955,7 +5955,7 @@
                 </a:solidFill>
               </a:rPr>
               <a:pPr/>
-              <a:t>9/23/2020</a:t>
+              <a:t>3/21/2021</a:t>
             </a:fld>
             <a:endParaRPr kumimoji="0" lang="en-US" dirty="0"/>
           </a:p>
@@ -6181,7 +6181,7 @@
                 </a:solidFill>
               </a:rPr>
               <a:pPr/>
-              <a:t>9/23/2020</a:t>
+              <a:t>3/21/2021</a:t>
             </a:fld>
             <a:endParaRPr kumimoji="0" lang="en-US" dirty="0"/>
           </a:p>
@@ -6400,7 +6400,7 @@
                 </a:solidFill>
               </a:rPr>
               <a:pPr/>
-              <a:t>9/23/2020</a:t>
+              <a:t>3/21/2021</a:t>
             </a:fld>
             <a:endParaRPr kumimoji="0" lang="en-US" dirty="0"/>
           </a:p>
@@ -6576,7 +6576,7 @@
             <a:fld id="{ACB2EC6F-6501-4E04-BD6C-A8A6CABB2C5B}" type="datetimeFigureOut">
               <a:rPr kumimoji="0" lang="en-US" smtClean="0"/>
               <a:pPr/>
-              <a:t>9/23/2020</a:t>
+              <a:t>3/21/2021</a:t>
             </a:fld>
             <a:endParaRPr kumimoji="0" lang="en-US" dirty="0"/>
           </a:p>
@@ -6821,7 +6821,7 @@
                 </a:solidFill>
               </a:rPr>
               <a:pPr/>
-              <a:t>9/23/2020</a:t>
+              <a:t>3/21/2021</a:t>
             </a:fld>
             <a:endParaRPr kumimoji="0" lang="en-US" dirty="0"/>
           </a:p>
@@ -7293,7 +7293,7 @@
                 </a:solidFill>
               </a:rPr>
               <a:pPr/>
-              <a:t>9/23/2020</a:t>
+              <a:t>3/21/2021</a:t>
             </a:fld>
             <a:endParaRPr kumimoji="0" lang="en-US" dirty="0"/>
           </a:p>
@@ -7645,7 +7645,7 @@
                 </a:solidFill>
               </a:rPr>
               <a:pPr/>
-              <a:t>9/23/2020</a:t>
+              <a:t>3/21/2021</a:t>
             </a:fld>
             <a:endParaRPr kumimoji="0" lang="en-US" dirty="0"/>
           </a:p>
@@ -8003,7 +8003,7 @@
                 </a:solidFill>
               </a:rPr>
               <a:pPr/>
-              <a:t>9/23/2020</a:t>
+              <a:t>3/21/2021</a:t>
             </a:fld>
             <a:endParaRPr kumimoji="0" lang="en-US" dirty="0"/>
           </a:p>
@@ -8308,7 +8308,7 @@
                 </a:solidFill>
               </a:rPr>
               <a:pPr/>
-              <a:t>9/23/2020</a:t>
+              <a:t>3/21/2021</a:t>
             </a:fld>
             <a:endParaRPr kumimoji="0" lang="en-US" dirty="0"/>
           </a:p>
@@ -8784,7 +8784,7 @@
                 </a:solidFill>
               </a:rPr>
               <a:pPr/>
-              <a:t>9/23/2020</a:t>
+              <a:t>3/21/2021</a:t>
             </a:fld>
             <a:endParaRPr kumimoji="0" lang="en-US" dirty="0"/>
           </a:p>
@@ -9021,7 +9021,7 @@
                 </a:solidFill>
               </a:rPr>
               <a:pPr/>
-              <a:t>9/23/2020</a:t>
+              <a:t>3/21/2021</a:t>
             </a:fld>
             <a:endParaRPr kumimoji="0" lang="en-US" sz="1200" dirty="0">
               <a:solidFill>
@@ -9941,7 +9941,7 @@
     </p:spTree>
     <p:extLst>
       <p:ext uri="{BB962C8B-B14F-4D97-AF65-F5344CB8AC3E}">
-        <p14:creationId xmlns="" xmlns:p14="http://schemas.microsoft.com/office/powerpoint/2010/main" val="522405798"/>
+        <p14:creationId xmlns:p14="http://schemas.microsoft.com/office/powerpoint/2010/main" xmlns="" val="522405798"/>
       </p:ext>
     </p:extLst>
   </p:cSld>
@@ -10439,7 +10439,7 @@
     </p:spTree>
     <p:extLst>
       <p:ext uri="{BB962C8B-B14F-4D97-AF65-F5344CB8AC3E}">
-        <p14:creationId xmlns="" xmlns:p14="http://schemas.microsoft.com/office/powerpoint/2010/main" val="522405798"/>
+        <p14:creationId xmlns:p14="http://schemas.microsoft.com/office/powerpoint/2010/main" xmlns="" val="522405798"/>
       </p:ext>
     </p:extLst>
   </p:cSld>
@@ -11066,7 +11066,7 @@
     </p:spTree>
     <p:extLst>
       <p:ext uri="{BB962C8B-B14F-4D97-AF65-F5344CB8AC3E}">
-        <p14:creationId xmlns="" xmlns:p14="http://schemas.microsoft.com/office/powerpoint/2010/main" val="522405798"/>
+        <p14:creationId xmlns:p14="http://schemas.microsoft.com/office/powerpoint/2010/main" xmlns="" val="522405798"/>
       </p:ext>
     </p:extLst>
   </p:cSld>
@@ -11519,7 +11519,7 @@
     </p:spTree>
     <p:extLst>
       <p:ext uri="{BB962C8B-B14F-4D97-AF65-F5344CB8AC3E}">
-        <p14:creationId xmlns="" xmlns:p14="http://schemas.microsoft.com/office/powerpoint/2010/main" val="522405798"/>
+        <p14:creationId xmlns:p14="http://schemas.microsoft.com/office/powerpoint/2010/main" xmlns="" val="522405798"/>
       </p:ext>
     </p:extLst>
   </p:cSld>
@@ -11986,7 +11986,7 @@
     </p:spTree>
     <p:extLst>
       <p:ext uri="{BB962C8B-B14F-4D97-AF65-F5344CB8AC3E}">
-        <p14:creationId xmlns="" xmlns:p14="http://schemas.microsoft.com/office/powerpoint/2010/main" val="522405798"/>
+        <p14:creationId xmlns:p14="http://schemas.microsoft.com/office/powerpoint/2010/main" xmlns="" val="522405798"/>
       </p:ext>
     </p:extLst>
   </p:cSld>
@@ -12164,7 +12164,7 @@
                 <a:ea typeface="微軟正黑體" pitchFamily="34" charset="-120"/>
                 <a:cs typeface="Heiti TC Light"/>
               </a:rPr>
-              <a:t>opencv_cht</a:t>
+              <a:t>must_opencv</a:t>
             </a:r>
             <a:r>
               <a:rPr kumimoji="1" lang="zh-TW" altLang="en-US" sz="4000" b="1" dirty="0" smtClean="0">
@@ -12179,7 +12179,22 @@
                 <a:ea typeface="微軟正黑體" pitchFamily="34" charset="-120"/>
                 <a:cs typeface="Heiti TC Light"/>
               </a:rPr>
-              <a:t>這個程式倉庫</a:t>
+              <a:t>這個</a:t>
+            </a:r>
+            <a:r>
+              <a:rPr kumimoji="1" lang="zh-TW" altLang="en-US" sz="4000" b="1" dirty="0" smtClean="0">
+                <a:effectLst>
+                  <a:outerShdw blurRad="38100" dist="38100" dir="2700000" algn="tl">
+                    <a:srgbClr val="000000">
+                      <a:alpha val="43137"/>
+                    </a:srgbClr>
+                  </a:outerShdw>
+                </a:effectLst>
+                <a:latin typeface="微軟正黑體" pitchFamily="34" charset="-120"/>
+                <a:ea typeface="微軟正黑體" pitchFamily="34" charset="-120"/>
+                <a:cs typeface="Heiti TC Light"/>
+              </a:rPr>
+              <a:t>程式倉庫</a:t>
             </a:r>
             <a:endParaRPr kumimoji="1" lang="en-US" altLang="zh-TW" sz="4000" b="1" dirty="0" smtClean="0">
               <a:effectLst>
@@ -12394,7 +12409,7 @@
     </p:spTree>
     <p:extLst>
       <p:ext uri="{BB962C8B-B14F-4D97-AF65-F5344CB8AC3E}">
-        <p14:creationId xmlns="" xmlns:p14="http://schemas.microsoft.com/office/powerpoint/2010/main" val="522405798"/>
+        <p14:creationId xmlns:p14="http://schemas.microsoft.com/office/powerpoint/2010/main" xmlns="" val="522405798"/>
       </p:ext>
     </p:extLst>
   </p:cSld>
@@ -12440,7 +12455,7 @@
         <p:spPr>
           <a:xfrm>
             <a:off x="304800" y="1371600"/>
-            <a:ext cx="8839200" cy="1938992"/>
+            <a:ext cx="8839200" cy="1754326"/>
           </a:xfrm>
           <a:prstGeom prst="rect">
             <a:avLst/>
@@ -12530,7 +12545,22 @@
                 <a:ea typeface="微軟正黑體" pitchFamily="34" charset="-120"/>
                 <a:cs typeface="Heiti TC Light"/>
               </a:rPr>
-              <a:t>等支援。</a:t>
+              <a:t>等支援</a:t>
+            </a:r>
+            <a:r>
+              <a:rPr kumimoji="1" lang="zh-TW" altLang="en-US" sz="4000" b="1" dirty="0" smtClean="0">
+                <a:effectLst>
+                  <a:outerShdw blurRad="38100" dist="38100" dir="2700000" algn="tl">
+                    <a:srgbClr val="000000">
+                      <a:alpha val="43137"/>
+                    </a:srgbClr>
+                  </a:outerShdw>
+                </a:effectLst>
+                <a:latin typeface="微軟正黑體" pitchFamily="34" charset="-120"/>
+                <a:ea typeface="微軟正黑體" pitchFamily="34" charset="-120"/>
+                <a:cs typeface="Heiti TC Light"/>
+              </a:rPr>
+              <a:t>。</a:t>
             </a:r>
             <a:endParaRPr kumimoji="1" lang="en-US" altLang="zh-TW" sz="4000" b="1" dirty="0" smtClean="0">
               <a:effectLst>
@@ -12550,6 +12580,38 @@
               <a:buFont typeface="Arial" panose="020B0604020202020204" pitchFamily="34" charset="0"/>
               <a:buChar char="•"/>
             </a:pPr>
+            <a:r>
+              <a:rPr kumimoji="1" lang="en-US" altLang="zh-TW" sz="2800" b="1" dirty="0" smtClean="0">
+                <a:effectLst>
+                  <a:outerShdw blurRad="38100" dist="38100" dir="2700000" algn="tl">
+                    <a:srgbClr val="000000">
+                      <a:alpha val="43137"/>
+                    </a:srgbClr>
+                  </a:outerShdw>
+                </a:effectLst>
+                <a:latin typeface="微軟正黑體" pitchFamily="34" charset="-120"/>
+                <a:ea typeface="微軟正黑體" pitchFamily="34" charset="-120"/>
+                <a:cs typeface="Heiti TC Light"/>
+                <a:hlinkClick r:id="rId3"/>
+              </a:rPr>
+              <a:t>https://</a:t>
+            </a:r>
+            <a:r>
+              <a:rPr kumimoji="1" lang="en-US" altLang="zh-TW" sz="2800" b="1" dirty="0" smtClean="0">
+                <a:effectLst>
+                  <a:outerShdw blurRad="38100" dist="38100" dir="2700000" algn="tl">
+                    <a:srgbClr val="000000">
+                      <a:alpha val="43137"/>
+                    </a:srgbClr>
+                  </a:outerShdw>
+                </a:effectLst>
+                <a:latin typeface="微軟正黑體" pitchFamily="34" charset="-120"/>
+                <a:ea typeface="微軟正黑體" pitchFamily="34" charset="-120"/>
+                <a:cs typeface="Heiti TC Light"/>
+                <a:hlinkClick r:id="rId3"/>
+              </a:rPr>
+              <a:t>hackmd.io/Y1i2emgPTnunEk3Gpt3BEw</a:t>
+            </a:r>
             <a:endParaRPr kumimoji="1" lang="en-US" altLang="zh-TW" sz="4000" b="1" dirty="0" smtClean="0">
               <a:effectLst>
                 <a:outerShdw blurRad="38100" dist="38100" dir="2700000" algn="tl">
@@ -12640,7 +12702,7 @@
           <p:nvPr/>
         </p:nvPicPr>
         <p:blipFill>
-          <a:blip r:embed="rId3" cstate="print"/>
+          <a:blip r:embed="rId4" cstate="print"/>
           <a:srcRect/>
           <a:stretch>
             <a:fillRect/>
@@ -12648,7 +12710,7 @@
         </p:blipFill>
         <p:spPr bwMode="auto">
           <a:xfrm>
-            <a:off x="457200" y="3276600"/>
+            <a:off x="457200" y="3581400"/>
             <a:ext cx="8391232" cy="2971800"/>
           </a:xfrm>
           <a:prstGeom prst="rect">
@@ -12666,7 +12728,7 @@
     </p:spTree>
     <p:extLst>
       <p:ext uri="{BB962C8B-B14F-4D97-AF65-F5344CB8AC3E}">
-        <p14:creationId xmlns="" xmlns:p14="http://schemas.microsoft.com/office/powerpoint/2010/main" val="522405798"/>
+        <p14:creationId xmlns:p14="http://schemas.microsoft.com/office/powerpoint/2010/main" xmlns="" val="522405798"/>
       </p:ext>
     </p:extLst>
   </p:cSld>
@@ -12908,7 +12970,7 @@
     </p:spTree>
     <p:extLst>
       <p:ext uri="{BB962C8B-B14F-4D97-AF65-F5344CB8AC3E}">
-        <p14:creationId xmlns="" xmlns:p14="http://schemas.microsoft.com/office/powerpoint/2010/main" val="522405798"/>
+        <p14:creationId xmlns:p14="http://schemas.microsoft.com/office/powerpoint/2010/main" xmlns="" val="522405798"/>
       </p:ext>
     </p:extLst>
   </p:cSld>
